--- a/Document/KR/Scut游戏服务器框架.pptx
+++ b/Document/KR/Scut游戏服务器框架.pptx
@@ -2385,13 +2385,13 @@
         <a:p>
           <a:pPr algn="ctr"/>
           <a:r>
-            <a:rPr lang="ko-KR" altLang="en-US" sz="2400" dirty="0" err="1" smtClean="0">
+            <a:rPr lang="ko-KR" altLang="en-US" sz="1400" dirty="0" err="1" smtClean="0">
               <a:latin typeface="+mn-ea"/>
               <a:ea typeface="+mn-ea"/>
             </a:rPr>
             <a:t>프로토콜통신층</a:t>
           </a:r>
-          <a:endParaRPr lang="en-US" altLang="zh-CN" sz="2400" dirty="0" smtClean="0">
+          <a:endParaRPr lang="en-US" altLang="zh-CN" sz="1400" dirty="0" smtClean="0">
             <a:latin typeface="+mn-ea"/>
             <a:ea typeface="+mn-ea"/>
           </a:endParaRPr>
@@ -2399,27 +2399,27 @@
         <a:p>
           <a:pPr algn="ctr"/>
           <a:r>
-            <a:rPr lang="en-US" altLang="zh-CN" sz="1800" dirty="0" smtClean="0">
+            <a:rPr lang="en-US" altLang="zh-CN" sz="1200" dirty="0" smtClean="0">
               <a:latin typeface="+mn-ea"/>
               <a:ea typeface="+mn-ea"/>
             </a:rPr>
             <a:t>2</a:t>
           </a:r>
           <a:r>
-            <a:rPr lang="ko-KR" altLang="en-US" sz="1800" dirty="0" smtClean="0">
+            <a:rPr lang="ko-KR" altLang="en-US" sz="1200" dirty="0" smtClean="0">
               <a:latin typeface="+mn-ea"/>
               <a:ea typeface="+mn-ea"/>
             </a:rPr>
             <a:t>진수 아니면 </a:t>
           </a:r>
           <a:r>
-            <a:rPr lang="ko-KR" altLang="en-US" sz="1800" dirty="0" err="1" smtClean="0">
+            <a:rPr lang="ko-KR" altLang="en-US" sz="1200" dirty="0" err="1" smtClean="0">
               <a:latin typeface="+mn-ea"/>
               <a:ea typeface="+mn-ea"/>
             </a:rPr>
             <a:t>확장가능한사용자정의프로토콜</a:t>
           </a:r>
-          <a:endParaRPr lang="zh-CN" altLang="en-US" sz="1800" dirty="0">
+          <a:endParaRPr lang="zh-CN" altLang="en-US" sz="1200" dirty="0">
             <a:latin typeface="+mn-ea"/>
             <a:ea typeface="+mn-ea"/>
           </a:endParaRPr>
@@ -2457,20 +2457,20 @@
         <a:p>
           <a:pPr algn="ctr"/>
           <a:r>
-            <a:rPr lang="ko-KR" altLang="en-US" sz="2400" dirty="0" smtClean="0">
+            <a:rPr lang="ko-KR" altLang="en-US" sz="1400" dirty="0" smtClean="0">
               <a:latin typeface="+mn-ea"/>
               <a:ea typeface="+mn-ea"/>
             </a:rPr>
             <a:t>데이터 </a:t>
           </a:r>
           <a:r>
-            <a:rPr lang="ko-KR" altLang="en-US" sz="2400" dirty="0" err="1" smtClean="0">
+            <a:rPr lang="ko-KR" altLang="en-US" sz="1400" dirty="0" err="1" smtClean="0">
               <a:latin typeface="+mn-ea"/>
               <a:ea typeface="+mn-ea"/>
             </a:rPr>
             <a:t>캐쉬층</a:t>
           </a:r>
-          <a:endParaRPr lang="en-US" altLang="zh-CN" sz="2400" dirty="0" smtClean="0">
+          <a:endParaRPr lang="en-US" altLang="zh-CN" sz="1400" dirty="0" smtClean="0">
             <a:latin typeface="+mn-ea"/>
             <a:ea typeface="+mn-ea"/>
           </a:endParaRPr>
@@ -2478,27 +2478,27 @@
         <a:p>
           <a:pPr algn="ctr"/>
           <a:r>
-            <a:rPr lang="ko-KR" altLang="en-US" sz="1800" dirty="0" err="1" smtClean="0">
+            <a:rPr lang="ko-KR" altLang="en-US" sz="1200" dirty="0" err="1" smtClean="0">
               <a:latin typeface="+mn-ea"/>
               <a:ea typeface="+mn-ea"/>
             </a:rPr>
             <a:t>엔티티모형설계</a:t>
           </a:r>
           <a:r>
-            <a:rPr lang="zh-CN" altLang="en-US" sz="1800" dirty="0" smtClean="0">
+            <a:rPr lang="zh-CN" altLang="en-US" sz="1200" dirty="0" smtClean="0">
               <a:latin typeface="+mn-ea"/>
               <a:ea typeface="+mn-ea"/>
             </a:rPr>
             <a:t>，</a:t>
           </a:r>
           <a:r>
-            <a:rPr lang="ko-KR" altLang="en-US" sz="1800" dirty="0" smtClean="0">
+            <a:rPr lang="ko-KR" altLang="en-US" sz="1200" dirty="0" smtClean="0">
               <a:latin typeface="+mn-ea"/>
               <a:ea typeface="+mn-ea"/>
             </a:rPr>
             <a:t>개발필요</a:t>
           </a:r>
-          <a:endParaRPr lang="zh-CN" altLang="en-US" sz="1800" dirty="0">
+          <a:endParaRPr lang="zh-CN" altLang="en-US" sz="1200" dirty="0">
             <a:latin typeface="+mn-ea"/>
             <a:ea typeface="+mn-ea"/>
           </a:endParaRPr>
@@ -2538,13 +2538,13 @@
         <a:p>
           <a:pPr algn="ctr"/>
           <a:r>
-            <a:rPr lang="ko-KR" altLang="en-US" sz="2400" dirty="0" err="1" smtClean="0">
+            <a:rPr lang="ko-KR" altLang="en-US" sz="1400" dirty="0" err="1" smtClean="0">
               <a:latin typeface="+mn-ea"/>
               <a:ea typeface="+mn-ea"/>
             </a:rPr>
             <a:t>미들웨어층</a:t>
           </a:r>
-          <a:endParaRPr lang="en-US" altLang="zh-CN" sz="2400" dirty="0" smtClean="0">
+          <a:endParaRPr lang="en-US" altLang="zh-CN" sz="1400" dirty="0" smtClean="0">
             <a:latin typeface="+mn-ea"/>
             <a:ea typeface="+mn-ea"/>
           </a:endParaRPr>
@@ -2552,118 +2552,118 @@
         <a:p>
           <a:pPr algn="ctr"/>
           <a:r>
-            <a:rPr lang="ko-KR" altLang="en-US" sz="1800" dirty="0" smtClean="0">
+            <a:rPr lang="ko-KR" altLang="en-US" sz="1200" dirty="0" smtClean="0">
               <a:latin typeface="+mn-ea"/>
               <a:ea typeface="+mn-ea"/>
             </a:rPr>
             <a:t>공지</a:t>
           </a:r>
           <a:r>
-            <a:rPr lang="zh-CN" altLang="en-US" sz="1800" dirty="0" smtClean="0">
+            <a:rPr lang="zh-CN" altLang="en-US" sz="1200" dirty="0" smtClean="0">
               <a:latin typeface="+mn-ea"/>
               <a:ea typeface="+mn-ea"/>
             </a:rPr>
             <a:t>、</a:t>
           </a:r>
           <a:r>
-            <a:rPr lang="ko-KR" altLang="en-US" sz="1800" dirty="0" err="1" smtClean="0">
+            <a:rPr lang="ko-KR" altLang="en-US" sz="1200" dirty="0" err="1" smtClean="0">
               <a:latin typeface="+mn-ea"/>
               <a:ea typeface="+mn-ea"/>
             </a:rPr>
             <a:t>백팩</a:t>
           </a:r>
           <a:r>
-            <a:rPr lang="zh-CN" altLang="en-US" sz="1800" dirty="0" smtClean="0">
+            <a:rPr lang="zh-CN" altLang="en-US" sz="1200" dirty="0" smtClean="0">
               <a:latin typeface="+mn-ea"/>
               <a:ea typeface="+mn-ea"/>
             </a:rPr>
             <a:t>、</a:t>
           </a:r>
           <a:r>
-            <a:rPr lang="ko-KR" altLang="en-US" sz="1800" dirty="0" smtClean="0">
+            <a:rPr lang="ko-KR" altLang="en-US" sz="1200" dirty="0" smtClean="0">
               <a:latin typeface="+mn-ea"/>
               <a:ea typeface="+mn-ea"/>
             </a:rPr>
             <a:t>로그인</a:t>
           </a:r>
           <a:r>
-            <a:rPr lang="zh-CN" altLang="en-US" sz="1800" dirty="0" smtClean="0">
+            <a:rPr lang="zh-CN" altLang="en-US" sz="1200" dirty="0" smtClean="0">
               <a:latin typeface="+mn-ea"/>
               <a:ea typeface="+mn-ea"/>
             </a:rPr>
             <a:t>、</a:t>
           </a:r>
           <a:r>
-            <a:rPr lang="ko-KR" altLang="en-US" sz="1800" dirty="0" smtClean="0">
+            <a:rPr lang="ko-KR" altLang="en-US" sz="1200" dirty="0" smtClean="0">
               <a:latin typeface="+mn-ea"/>
               <a:ea typeface="+mn-ea"/>
             </a:rPr>
             <a:t>회원가입</a:t>
           </a:r>
           <a:r>
-            <a:rPr lang="zh-CN" altLang="en-US" sz="1800" dirty="0" smtClean="0">
+            <a:rPr lang="zh-CN" altLang="en-US" sz="1200" dirty="0" smtClean="0">
               <a:latin typeface="+mn-ea"/>
               <a:ea typeface="+mn-ea"/>
             </a:rPr>
             <a:t>、</a:t>
           </a:r>
           <a:r>
-            <a:rPr lang="ko-KR" altLang="en-US" sz="1800" dirty="0" smtClean="0">
+            <a:rPr lang="ko-KR" altLang="en-US" sz="1200" dirty="0" smtClean="0">
               <a:latin typeface="+mn-ea"/>
               <a:ea typeface="+mn-ea"/>
             </a:rPr>
             <a:t>채널충전</a:t>
           </a:r>
           <a:r>
-            <a:rPr lang="en-US" altLang="ko-KR" sz="1800" dirty="0" smtClean="0">
+            <a:rPr lang="en-US" altLang="ko-KR" sz="1200" dirty="0" smtClean="0">
               <a:latin typeface="+mn-ea"/>
               <a:ea typeface="+mn-ea"/>
             </a:rPr>
             <a:t>?</a:t>
           </a:r>
           <a:r>
-            <a:rPr lang="zh-CN" altLang="en-US" sz="1800" dirty="0" smtClean="0">
+            <a:rPr lang="zh-CN" altLang="en-US" sz="1200" dirty="0" smtClean="0">
               <a:latin typeface="+mn-ea"/>
               <a:ea typeface="+mn-ea"/>
             </a:rPr>
             <a:t> 、</a:t>
           </a:r>
           <a:r>
-            <a:rPr lang="ko-KR" altLang="en-US" sz="1800" dirty="0" smtClean="0">
+            <a:rPr lang="ko-KR" altLang="en-US" sz="1200" dirty="0" smtClean="0">
               <a:latin typeface="+mn-ea"/>
               <a:ea typeface="+mn-ea"/>
             </a:rPr>
             <a:t>채팅</a:t>
           </a:r>
           <a:r>
-            <a:rPr lang="zh-CN" altLang="en-US" sz="1800" dirty="0" smtClean="0">
+            <a:rPr lang="zh-CN" altLang="en-US" sz="1200" dirty="0" smtClean="0">
               <a:latin typeface="+mn-ea"/>
               <a:ea typeface="+mn-ea"/>
             </a:rPr>
             <a:t>、</a:t>
           </a:r>
           <a:r>
-            <a:rPr lang="ko-KR" altLang="en-US" sz="1800" dirty="0" err="1" smtClean="0">
+            <a:rPr lang="ko-KR" altLang="en-US" sz="1200" dirty="0" err="1" smtClean="0">
               <a:latin typeface="+mn-ea"/>
               <a:ea typeface="+mn-ea"/>
             </a:rPr>
             <a:t>묻고답하기</a:t>
           </a:r>
           <a:r>
-            <a:rPr lang="zh-CN" altLang="en-US" sz="1800" dirty="0" smtClean="0">
+            <a:rPr lang="zh-CN" altLang="en-US" sz="1200" dirty="0" smtClean="0">
               <a:latin typeface="+mn-ea"/>
               <a:ea typeface="+mn-ea"/>
             </a:rPr>
             <a:t>，</a:t>
           </a:r>
           <a:r>
-            <a:rPr lang="ko-KR" altLang="en-US" sz="1800" dirty="0" err="1" smtClean="0">
+            <a:rPr lang="ko-KR" altLang="en-US" sz="1200" dirty="0" err="1" smtClean="0">
               <a:latin typeface="+mn-ea"/>
               <a:ea typeface="+mn-ea"/>
             </a:rPr>
             <a:t>랭킹등</a:t>
           </a:r>
-          <a:endParaRPr lang="zh-CN" altLang="en-US" sz="2400" dirty="0">
+          <a:endParaRPr lang="zh-CN" altLang="en-US" sz="1200" dirty="0">
             <a:latin typeface="+mn-ea"/>
             <a:ea typeface="+mn-ea"/>
           </a:endParaRPr>
@@ -2703,13 +2703,13 @@
         <a:p>
           <a:pPr algn="ctr"/>
           <a:r>
-            <a:rPr lang="ko-KR" altLang="en-US" sz="2400" dirty="0" err="1" smtClean="0">
+            <a:rPr lang="ko-KR" altLang="en-US" sz="1400" dirty="0" err="1" smtClean="0">
               <a:latin typeface="+mn-ea"/>
               <a:ea typeface="+mn-ea"/>
             </a:rPr>
             <a:t>워킹로직층</a:t>
           </a:r>
-          <a:endParaRPr lang="en-US" altLang="zh-CN" sz="2400" dirty="0" smtClean="0">
+          <a:endParaRPr lang="en-US" altLang="zh-CN" sz="1400" dirty="0" smtClean="0">
             <a:latin typeface="+mn-ea"/>
             <a:ea typeface="+mn-ea"/>
           </a:endParaRPr>
@@ -2717,27 +2717,38 @@
         <a:p>
           <a:pPr algn="ctr"/>
           <a:r>
-            <a:rPr lang="en-US" altLang="zh-CN" sz="1800" dirty="0" smtClean="0">
+            <a:rPr lang="en-US" altLang="zh-CN" sz="1200" dirty="0" smtClean="0">
               <a:latin typeface="+mn-ea"/>
               <a:ea typeface="+mn-ea"/>
             </a:rPr>
-            <a:t>C#/Python/</a:t>
+            <a:t>C#/</a:t>
           </a:r>
           <a:r>
-            <a:rPr lang="en-US" altLang="zh-CN" sz="1800" dirty="0" err="1" smtClean="0">
+            <a:rPr lang="en-US" altLang="zh-CN" sz="1200" dirty="0" smtClean="0">
               <a:latin typeface="+mn-ea"/>
               <a:ea typeface="+mn-ea"/>
             </a:rPr>
-            <a:t>Lua</a:t>
+            <a:t>Python/</a:t>
           </a:r>
           <a:r>
-            <a:rPr lang="zh-CN" altLang="en-US" sz="1800" dirty="0" smtClean="0">
+            <a:rPr lang="en-US" altLang="zh-CN" sz="1200" dirty="0" err="1" smtClean="0">
               <a:latin typeface="+mn-ea"/>
               <a:ea typeface="+mn-ea"/>
             </a:rPr>
-            <a:t>脚本，需要开发</a:t>
+            <a:t>LuaScript</a:t>
           </a:r>
-          <a:endParaRPr lang="zh-CN" altLang="en-US" sz="1800" dirty="0">
+          <a:r>
+            <a:rPr lang="zh-CN" altLang="en-US" sz="1200" dirty="0" smtClean="0">
+              <a:latin typeface="+mn-ea"/>
+              <a:ea typeface="+mn-ea"/>
+            </a:rPr>
+            <a:t>，</a:t>
+          </a:r>
+          <a:r>
+            <a:rPr lang="en-US" sz="1200" dirty="0" smtClean="0"/>
+            <a:t>Need to develop.</a:t>
+          </a:r>
+          <a:endParaRPr lang="zh-CN" altLang="en-US" sz="1200" dirty="0">
             <a:latin typeface="+mn-ea"/>
             <a:ea typeface="+mn-ea"/>
           </a:endParaRPr>
@@ -2777,13 +2788,13 @@
         <a:p>
           <a:pPr algn="ctr"/>
           <a:r>
-            <a:rPr lang="ko-KR" altLang="en-US" sz="2400" dirty="0" err="1" smtClean="0">
+            <a:rPr lang="ko-KR" altLang="en-US" sz="1400" dirty="0" err="1" smtClean="0">
               <a:latin typeface="+mn-ea"/>
               <a:ea typeface="+mn-ea"/>
             </a:rPr>
             <a:t>데이터베이스층</a:t>
           </a:r>
-          <a:endParaRPr lang="en-US" altLang="zh-CN" sz="2400" dirty="0" smtClean="0">
+          <a:endParaRPr lang="en-US" altLang="zh-CN" sz="1400" dirty="0" smtClean="0">
             <a:latin typeface="+mn-ea"/>
             <a:ea typeface="+mn-ea"/>
           </a:endParaRPr>
@@ -2791,55 +2802,47 @@
         <a:p>
           <a:pPr algn="ctr"/>
           <a:r>
-            <a:rPr lang="zh-CN" altLang="en-US" sz="1800" dirty="0" smtClean="0">
+            <a:rPr lang="en-US" sz="1200" dirty="0" smtClean="0"/>
+            <a:t>1. Database more support.</a:t>
+          </a:r>
+          <a:r>
+            <a:rPr lang="zh-CN" altLang="en-US" sz="1200" dirty="0" smtClean="0">
               <a:latin typeface="+mn-ea"/>
               <a:ea typeface="+mn-ea"/>
             </a:rPr>
-            <a:t>多数据库支持，框架自动创表和维护</a:t>
+            <a:t>，</a:t>
           </a:r>
           <a:r>
-            <a:rPr lang="en-US" altLang="zh-CN" sz="1800" dirty="0" smtClean="0">
+            <a:rPr lang="en-US" altLang="zh-CN" sz="1200" dirty="0" smtClean="0">
               <a:latin typeface="+mn-ea"/>
               <a:ea typeface="+mn-ea"/>
             </a:rPr>
-            <a:t>(</a:t>
+            <a:t>2. </a:t>
           </a:r>
           <a:r>
-            <a:rPr lang="zh-CN" altLang="en-US" sz="1800" dirty="0" smtClean="0">
+            <a:rPr lang="en-US" sz="1200" dirty="0" smtClean="0"/>
+            <a:t>Frame automatically create lists and maintenance (increased volume to) the data.</a:t>
+          </a:r>
+          <a:r>
+            <a:rPr lang="zh-CN" altLang="en-US" sz="1200" dirty="0" smtClean="0">
               <a:latin typeface="+mn-ea"/>
               <a:ea typeface="+mn-ea"/>
             </a:rPr>
-            <a:t>增册改</a:t>
+            <a:t>，</a:t>
           </a:r>
           <a:r>
-            <a:rPr lang="en-US" altLang="zh-CN" sz="1800" dirty="0" smtClean="0">
-              <a:latin typeface="+mn-ea"/>
-              <a:ea typeface="+mn-ea"/>
-            </a:rPr>
-            <a:t>)</a:t>
+            <a:rPr lang="en-US" sz="1200" dirty="0" smtClean="0"/>
+            <a:t>There's no need to written statement detailing </a:t>
           </a:r>
           <a:r>
-            <a:rPr lang="zh-CN" altLang="en-US" sz="1800" dirty="0" smtClean="0">
-              <a:latin typeface="+mn-ea"/>
-              <a:ea typeface="+mn-ea"/>
-            </a:rPr>
-            <a:t>数据，无需写拼接</a:t>
-          </a:r>
-          <a:r>
-            <a:rPr lang="en-US" altLang="zh-CN" sz="1800" dirty="0" err="1" smtClean="0">
-              <a:latin typeface="+mn-ea"/>
-              <a:ea typeface="+mn-ea"/>
-            </a:rPr>
+            <a:rPr lang="en-US" sz="1200" dirty="0" err="1" smtClean="0"/>
             <a:t>Sql</a:t>
           </a:r>
           <a:r>
-            <a:rPr lang="zh-CN" altLang="en-US" sz="1800" dirty="0" smtClean="0">
-              <a:latin typeface="+mn-ea"/>
-              <a:ea typeface="+mn-ea"/>
-            </a:rPr>
-            <a:t>语句</a:t>
+            <a:rPr lang="en-US" sz="1200" dirty="0" smtClean="0"/>
+            <a:t>.</a:t>
           </a:r>
-          <a:endParaRPr lang="en-US" altLang="zh-CN" sz="1800" dirty="0" smtClean="0">
+          <a:endParaRPr lang="en-US" altLang="zh-CN" sz="1200" dirty="0" smtClean="0">
             <a:latin typeface="+mn-ea"/>
             <a:ea typeface="+mn-ea"/>
           </a:endParaRPr>
@@ -2887,7 +2890,7 @@
       </dgm:t>
     </dgm:pt>
     <dgm:pt modelId="{8F35917A-3EF4-4175-8CD9-C7486AB2CF8A}" type="pres">
-      <dgm:prSet presAssocID="{F0F2A4BD-A601-4C92-90B2-60F144FF229A}" presName="parentText" presStyleLbl="node1" presStyleIdx="0" presStyleCnt="5">
+      <dgm:prSet presAssocID="{F0F2A4BD-A601-4C92-90B2-60F144FF229A}" presName="parentText" presStyleLbl="node1" presStyleIdx="0" presStyleCnt="5" custLinFactY="-764" custLinFactNeighborY="-100000">
         <dgm:presLayoutVars>
           <dgm:chMax val="0"/>
           <dgm:bulletEnabled val="1"/>
@@ -2991,8 +2994,8 @@
     <dgm:cxn modelId="{23E1E999-020B-4F5B-A2EA-B0ADEBF9A8D6}" type="presOf" srcId="{F0F2A4BD-A601-4C92-90B2-60F144FF229A}" destId="{8F35917A-3EF4-4175-8CD9-C7486AB2CF8A}" srcOrd="0" destOrd="0" presId="urn:microsoft.com/office/officeart/2005/8/layout/vList2"/>
     <dgm:cxn modelId="{C5E54AD8-0E77-42D9-96CA-177FBA7EA886}" srcId="{9AB84A98-822C-485A-9F13-719F60A44530}" destId="{B84A692E-F656-4B48-9E3F-FBC38BF9AB89}" srcOrd="3" destOrd="0" parTransId="{06F60AD8-25B0-47AC-982F-D4ECF0D49B15}" sibTransId="{1F862F11-2B8D-4AA9-A5DA-05AA65693477}"/>
     <dgm:cxn modelId="{707DAD9D-8FC9-4131-8CCA-FA43FB13FAE4}" srcId="{9AB84A98-822C-485A-9F13-719F60A44530}" destId="{F0F2A4BD-A601-4C92-90B2-60F144FF229A}" srcOrd="0" destOrd="0" parTransId="{16A6290C-ED94-44D6-AE13-D1EDAA9EE624}" sibTransId="{8C608AF6-6D8C-4DED-963E-EE284102E653}"/>
+    <dgm:cxn modelId="{3D4F5F7A-F4A3-44DB-8048-5F42888E8337}" srcId="{9AB84A98-822C-485A-9F13-719F60A44530}" destId="{EC872DD7-69E7-4780-B63B-242154BFF7E9}" srcOrd="2" destOrd="0" parTransId="{3D0B92FD-3933-4B23-A19A-A4C72879F7CF}" sibTransId="{2DC1DEAD-BB6F-4AF2-B415-D7BB1E239461}"/>
     <dgm:cxn modelId="{B566E4E0-DE13-41D6-92A7-17DFF7C615C4}" type="presOf" srcId="{9AB84A98-822C-485A-9F13-719F60A44530}" destId="{D292F12F-83AA-4FFD-B287-2F4D87FCEC65}" srcOrd="0" destOrd="0" presId="urn:microsoft.com/office/officeart/2005/8/layout/vList2"/>
-    <dgm:cxn modelId="{3D4F5F7A-F4A3-44DB-8048-5F42888E8337}" srcId="{9AB84A98-822C-485A-9F13-719F60A44530}" destId="{EC872DD7-69E7-4780-B63B-242154BFF7E9}" srcOrd="2" destOrd="0" parTransId="{3D0B92FD-3933-4B23-A19A-A4C72879F7CF}" sibTransId="{2DC1DEAD-BB6F-4AF2-B415-D7BB1E239461}"/>
     <dgm:cxn modelId="{EA55BB7D-2553-42F1-A73E-758A97C3CD7E}" srcId="{9AB84A98-822C-485A-9F13-719F60A44530}" destId="{C6B56B12-2B04-4FAB-879E-435108981AF6}" srcOrd="1" destOrd="0" parTransId="{24F895BA-ACC1-4F01-9195-2EB498E917AD}" sibTransId="{3123AAB5-27D9-47B3-B4AC-7EBFDF90F79D}"/>
     <dgm:cxn modelId="{824E7F94-4363-427A-8C3B-E66CF8AD25E9}" type="presOf" srcId="{639A27F2-84A2-4668-A97D-C8A9811EEACA}" destId="{D55B0265-E1AF-49A5-AD80-7EE9B5AC79AC}" srcOrd="0" destOrd="0" presId="urn:microsoft.com/office/officeart/2005/8/layout/vList2"/>
     <dgm:cxn modelId="{AD5F8C76-7FB4-42D9-81B8-4E0D193A5688}" srcId="{9AB84A98-822C-485A-9F13-719F60A44530}" destId="{639A27F2-84A2-4668-A97D-C8A9811EEACA}" srcOrd="4" destOrd="0" parTransId="{F9285E24-C588-46C8-8F56-56B81A08E1FD}" sibTransId="{8FC405C5-3E2A-45BC-B5B6-A14504611F56}"/>
@@ -3629,28 +3632,28 @@
     </dgm:pt>
   </dgm:ptLst>
   <dgm:cxnLst>
+    <dgm:cxn modelId="{922AE05D-FD8E-47AD-9A24-D6B20350F784}" type="presOf" srcId="{9AB84A98-822C-485A-9F13-719F60A44530}" destId="{0D5ED094-ADF5-4678-BF6D-67F81A5852B0}" srcOrd="0" destOrd="0" presId="urn:microsoft.com/office/officeart/2005/8/layout/process4"/>
+    <dgm:cxn modelId="{B2125AA9-F0CA-4979-A579-4152FF82755B}" type="presOf" srcId="{B6FDE29E-404D-4212-9CAB-1A5A05428FC0}" destId="{E3963DDB-1E05-47D3-AF9A-D1CBB32F00EC}" srcOrd="1" destOrd="0" presId="urn:microsoft.com/office/officeart/2005/8/layout/process4"/>
+    <dgm:cxn modelId="{29FE24DE-7061-4509-B921-EED1E0CD3772}" srcId="{F0F2A4BD-A601-4C92-90B2-60F144FF229A}" destId="{D63DC805-C3EE-4B11-8881-4001783A2E16}" srcOrd="0" destOrd="0" parTransId="{E4C28DC7-F825-4152-BE70-0275BD743844}" sibTransId="{BF704DE9-4600-415E-9700-54E76CB2B17F}"/>
     <dgm:cxn modelId="{F91B6FF1-07C8-40B6-A1FB-DD5CABCE4657}" type="presOf" srcId="{56E82AFC-74A9-4FDF-9F62-739ABF44DED7}" destId="{FCFE49AF-E532-48A0-9395-A5688853BE03}" srcOrd="0" destOrd="0" presId="urn:microsoft.com/office/officeart/2005/8/layout/process4"/>
+    <dgm:cxn modelId="{FA2E6658-6107-42FA-8821-BB1A72D39D59}" type="presOf" srcId="{416037B8-E6EA-4273-B092-24CEA5557490}" destId="{1622FEFC-D97A-4D14-A5B5-FE36A4E506B7}" srcOrd="0" destOrd="0" presId="urn:microsoft.com/office/officeart/2005/8/layout/process4"/>
+    <dgm:cxn modelId="{333BAA4F-8BC5-47DA-B9FC-F333C4A0EC56}" type="presOf" srcId="{D63DC805-C3EE-4B11-8881-4001783A2E16}" destId="{86D8250B-2477-4601-AC16-826D3348F9FE}" srcOrd="0" destOrd="0" presId="urn:microsoft.com/office/officeart/2005/8/layout/process4"/>
+    <dgm:cxn modelId="{AFC24E84-FA04-49EC-AA8C-39B803FBD6C2}" type="presOf" srcId="{97E3A7A5-4449-47F3-BC75-AB69561E378D}" destId="{2F9958E8-37E2-4FE7-B993-BDAE077D76AD}" srcOrd="0" destOrd="0" presId="urn:microsoft.com/office/officeart/2005/8/layout/process4"/>
+    <dgm:cxn modelId="{77197172-A372-4359-9C37-80B2D2056B3B}" srcId="{416037B8-E6EA-4273-B092-24CEA5557490}" destId="{56E82AFC-74A9-4FDF-9F62-739ABF44DED7}" srcOrd="1" destOrd="0" parTransId="{3CFDFF39-70F5-4986-8E51-6B034BCFB6FA}" sibTransId="{E42536CC-345C-4A4E-BA45-973AAF1A3CA8}"/>
+    <dgm:cxn modelId="{A944FE27-4696-408F-8204-C5A4731C9758}" srcId="{9AB84A98-822C-485A-9F13-719F60A44530}" destId="{B6FDE29E-404D-4212-9CAB-1A5A05428FC0}" srcOrd="0" destOrd="0" parTransId="{0208198C-526A-45DC-9BBF-916F33686D3B}" sibTransId="{2D5ADFFC-4ADE-4721-83FE-AC6672080DBF}"/>
+    <dgm:cxn modelId="{6F787342-624C-49A8-B346-DAFC2AF10056}" type="presOf" srcId="{F0F2A4BD-A601-4C92-90B2-60F144FF229A}" destId="{8E08A89A-5024-44DF-8529-E539FD213376}" srcOrd="0" destOrd="0" presId="urn:microsoft.com/office/officeart/2005/8/layout/process4"/>
+    <dgm:cxn modelId="{E7F62588-F951-44CE-808A-CD634C8DB350}" type="presOf" srcId="{B6FDE29E-404D-4212-9CAB-1A5A05428FC0}" destId="{CF8EF303-A930-42C7-83F7-527F5DA5EE1D}" srcOrd="0" destOrd="0" presId="urn:microsoft.com/office/officeart/2005/8/layout/process4"/>
+    <dgm:cxn modelId="{7FB37E39-1427-4414-8D31-4A3E6641C89D}" type="presOf" srcId="{F0F2A4BD-A601-4C92-90B2-60F144FF229A}" destId="{FD475967-362C-45AC-9636-D85E36A563DB}" srcOrd="1" destOrd="0" presId="urn:microsoft.com/office/officeart/2005/8/layout/process4"/>
+    <dgm:cxn modelId="{832AA0C3-68B0-4E6A-BAB4-DF89C3771736}" type="presOf" srcId="{6CFBF5BB-5177-46F8-9343-3C0EE3D3ED86}" destId="{EAC13C04-2491-4B7A-A31C-A8F782E07BF6}" srcOrd="0" destOrd="0" presId="urn:microsoft.com/office/officeart/2005/8/layout/process4"/>
     <dgm:cxn modelId="{A112B7A6-2119-43F9-A97C-172980247CC1}" srcId="{9AB84A98-822C-485A-9F13-719F60A44530}" destId="{416037B8-E6EA-4273-B092-24CEA5557490}" srcOrd="2" destOrd="0" parTransId="{49F4DFB8-B841-43A8-B452-1A2571D581B7}" sibTransId="{2B8B7103-1AF0-47B6-866D-25D7719CC590}"/>
     <dgm:cxn modelId="{24F4BEBE-9686-4420-83E1-A3925245BDCA}" srcId="{416037B8-E6EA-4273-B092-24CEA5557490}" destId="{6CFBF5BB-5177-46F8-9343-3C0EE3D3ED86}" srcOrd="0" destOrd="0" parTransId="{3176EE73-B4C7-49EC-9F4F-0BD3DEEB038C}" sibTransId="{B28E1B40-0138-482A-A9EB-4799AE35E455}"/>
-    <dgm:cxn modelId="{B2125AA9-F0CA-4979-A579-4152FF82755B}" type="presOf" srcId="{B6FDE29E-404D-4212-9CAB-1A5A05428FC0}" destId="{E3963DDB-1E05-47D3-AF9A-D1CBB32F00EC}" srcOrd="1" destOrd="0" presId="urn:microsoft.com/office/officeart/2005/8/layout/process4"/>
+    <dgm:cxn modelId="{93BAC368-F33C-485F-8BE9-0278282CFDBA}" type="presOf" srcId="{416037B8-E6EA-4273-B092-24CEA5557490}" destId="{00F99A46-48E1-452A-91B4-E4CCFA3943B3}" srcOrd="1" destOrd="0" presId="urn:microsoft.com/office/officeart/2005/8/layout/process4"/>
+    <dgm:cxn modelId="{24DA8826-1799-46EA-A602-81108DDED376}" type="presOf" srcId="{AC05360C-AE39-4E9C-A534-55588D3624F3}" destId="{F389F815-60FF-4C72-B31C-CDB08855BE82}" srcOrd="0" destOrd="0" presId="urn:microsoft.com/office/officeart/2005/8/layout/process4"/>
+    <dgm:cxn modelId="{6CB434EF-7A42-4FCE-8BC9-FAAD624074FD}" srcId="{F0F2A4BD-A601-4C92-90B2-60F144FF229A}" destId="{AC05360C-AE39-4E9C-A534-55588D3624F3}" srcOrd="1" destOrd="0" parTransId="{AEFA727D-B1D4-43B2-8A26-38122BA2F11D}" sibTransId="{1D714821-365F-4228-B204-1C00B37217CB}"/>
+    <dgm:cxn modelId="{B79FDE4E-B6C7-42E2-9A4E-B30DAFEB978F}" srcId="{F0F2A4BD-A601-4C92-90B2-60F144FF229A}" destId="{97E3A7A5-4449-47F3-BC75-AB69561E378D}" srcOrd="2" destOrd="0" parTransId="{882D6F43-2BAF-42D5-921B-969D11FC57E9}" sibTransId="{E6CF1E6F-778E-4318-B325-2DC9D5B3F717}"/>
     <dgm:cxn modelId="{707DAD9D-8FC9-4131-8CCA-FA43FB13FAE4}" srcId="{9AB84A98-822C-485A-9F13-719F60A44530}" destId="{F0F2A4BD-A601-4C92-90B2-60F144FF229A}" srcOrd="1" destOrd="0" parTransId="{16A6290C-ED94-44D6-AE13-D1EDAA9EE624}" sibTransId="{8C608AF6-6D8C-4DED-963E-EE284102E653}"/>
+    <dgm:cxn modelId="{9352D70E-A50B-41B3-8C19-9F36AA9CE160}" type="presOf" srcId="{9B7FA402-6A05-4A54-B412-EBF4675B74C2}" destId="{7D2915AA-C62A-4EFC-A521-068341D6F3A1}" srcOrd="0" destOrd="0" presId="urn:microsoft.com/office/officeart/2005/8/layout/process4"/>
     <dgm:cxn modelId="{479E6D5C-7F45-40A4-8905-34ED601A1B52}" srcId="{B6FDE29E-404D-4212-9CAB-1A5A05428FC0}" destId="{9B7FA402-6A05-4A54-B412-EBF4675B74C2}" srcOrd="0" destOrd="0" parTransId="{13387BA9-3D58-4EC7-A086-68DACD729173}" sibTransId="{06EC0897-CBFC-4AC6-9C9A-65658DD52045}"/>
-    <dgm:cxn modelId="{9352D70E-A50B-41B3-8C19-9F36AA9CE160}" type="presOf" srcId="{9B7FA402-6A05-4A54-B412-EBF4675B74C2}" destId="{7D2915AA-C62A-4EFC-A521-068341D6F3A1}" srcOrd="0" destOrd="0" presId="urn:microsoft.com/office/officeart/2005/8/layout/process4"/>
-    <dgm:cxn modelId="{93BAC368-F33C-485F-8BE9-0278282CFDBA}" type="presOf" srcId="{416037B8-E6EA-4273-B092-24CEA5557490}" destId="{00F99A46-48E1-452A-91B4-E4CCFA3943B3}" srcOrd="1" destOrd="0" presId="urn:microsoft.com/office/officeart/2005/8/layout/process4"/>
-    <dgm:cxn modelId="{6CB434EF-7A42-4FCE-8BC9-FAAD624074FD}" srcId="{F0F2A4BD-A601-4C92-90B2-60F144FF229A}" destId="{AC05360C-AE39-4E9C-A534-55588D3624F3}" srcOrd="1" destOrd="0" parTransId="{AEFA727D-B1D4-43B2-8A26-38122BA2F11D}" sibTransId="{1D714821-365F-4228-B204-1C00B37217CB}"/>
-    <dgm:cxn modelId="{333BAA4F-8BC5-47DA-B9FC-F333C4A0EC56}" type="presOf" srcId="{D63DC805-C3EE-4B11-8881-4001783A2E16}" destId="{86D8250B-2477-4601-AC16-826D3348F9FE}" srcOrd="0" destOrd="0" presId="urn:microsoft.com/office/officeart/2005/8/layout/process4"/>
-    <dgm:cxn modelId="{29FE24DE-7061-4509-B921-EED1E0CD3772}" srcId="{F0F2A4BD-A601-4C92-90B2-60F144FF229A}" destId="{D63DC805-C3EE-4B11-8881-4001783A2E16}" srcOrd="0" destOrd="0" parTransId="{E4C28DC7-F825-4152-BE70-0275BD743844}" sibTransId="{BF704DE9-4600-415E-9700-54E76CB2B17F}"/>
-    <dgm:cxn modelId="{6F787342-624C-49A8-B346-DAFC2AF10056}" type="presOf" srcId="{F0F2A4BD-A601-4C92-90B2-60F144FF229A}" destId="{8E08A89A-5024-44DF-8529-E539FD213376}" srcOrd="0" destOrd="0" presId="urn:microsoft.com/office/officeart/2005/8/layout/process4"/>
-    <dgm:cxn modelId="{77197172-A372-4359-9C37-80B2D2056B3B}" srcId="{416037B8-E6EA-4273-B092-24CEA5557490}" destId="{56E82AFC-74A9-4FDF-9F62-739ABF44DED7}" srcOrd="1" destOrd="0" parTransId="{3CFDFF39-70F5-4986-8E51-6B034BCFB6FA}" sibTransId="{E42536CC-345C-4A4E-BA45-973AAF1A3CA8}"/>
-    <dgm:cxn modelId="{7FB37E39-1427-4414-8D31-4A3E6641C89D}" type="presOf" srcId="{F0F2A4BD-A601-4C92-90B2-60F144FF229A}" destId="{FD475967-362C-45AC-9636-D85E36A563DB}" srcOrd="1" destOrd="0" presId="urn:microsoft.com/office/officeart/2005/8/layout/process4"/>
-    <dgm:cxn modelId="{24DA8826-1799-46EA-A602-81108DDED376}" type="presOf" srcId="{AC05360C-AE39-4E9C-A534-55588D3624F3}" destId="{F389F815-60FF-4C72-B31C-CDB08855BE82}" srcOrd="0" destOrd="0" presId="urn:microsoft.com/office/officeart/2005/8/layout/process4"/>
-    <dgm:cxn modelId="{AFC24E84-FA04-49EC-AA8C-39B803FBD6C2}" type="presOf" srcId="{97E3A7A5-4449-47F3-BC75-AB69561E378D}" destId="{2F9958E8-37E2-4FE7-B993-BDAE077D76AD}" srcOrd="0" destOrd="0" presId="urn:microsoft.com/office/officeart/2005/8/layout/process4"/>
-    <dgm:cxn modelId="{B79FDE4E-B6C7-42E2-9A4E-B30DAFEB978F}" srcId="{F0F2A4BD-A601-4C92-90B2-60F144FF229A}" destId="{97E3A7A5-4449-47F3-BC75-AB69561E378D}" srcOrd="2" destOrd="0" parTransId="{882D6F43-2BAF-42D5-921B-969D11FC57E9}" sibTransId="{E6CF1E6F-778E-4318-B325-2DC9D5B3F717}"/>
-    <dgm:cxn modelId="{922AE05D-FD8E-47AD-9A24-D6B20350F784}" type="presOf" srcId="{9AB84A98-822C-485A-9F13-719F60A44530}" destId="{0D5ED094-ADF5-4678-BF6D-67F81A5852B0}" srcOrd="0" destOrd="0" presId="urn:microsoft.com/office/officeart/2005/8/layout/process4"/>
-    <dgm:cxn modelId="{832AA0C3-68B0-4E6A-BAB4-DF89C3771736}" type="presOf" srcId="{6CFBF5BB-5177-46F8-9343-3C0EE3D3ED86}" destId="{EAC13C04-2491-4B7A-A31C-A8F782E07BF6}" srcOrd="0" destOrd="0" presId="urn:microsoft.com/office/officeart/2005/8/layout/process4"/>
-    <dgm:cxn modelId="{E7F62588-F951-44CE-808A-CD634C8DB350}" type="presOf" srcId="{B6FDE29E-404D-4212-9CAB-1A5A05428FC0}" destId="{CF8EF303-A930-42C7-83F7-527F5DA5EE1D}" srcOrd="0" destOrd="0" presId="urn:microsoft.com/office/officeart/2005/8/layout/process4"/>
-    <dgm:cxn modelId="{FA2E6658-6107-42FA-8821-BB1A72D39D59}" type="presOf" srcId="{416037B8-E6EA-4273-B092-24CEA5557490}" destId="{1622FEFC-D97A-4D14-A5B5-FE36A4E506B7}" srcOrd="0" destOrd="0" presId="urn:microsoft.com/office/officeart/2005/8/layout/process4"/>
-    <dgm:cxn modelId="{A944FE27-4696-408F-8204-C5A4731C9758}" srcId="{9AB84A98-822C-485A-9F13-719F60A44530}" destId="{B6FDE29E-404D-4212-9CAB-1A5A05428FC0}" srcOrd="0" destOrd="0" parTransId="{0208198C-526A-45DC-9BBF-916F33686D3B}" sibTransId="{2D5ADFFC-4ADE-4721-83FE-AC6672080DBF}"/>
     <dgm:cxn modelId="{5C213562-52CE-4CFF-BAEC-C9AF47187CD2}" type="presParOf" srcId="{0D5ED094-ADF5-4678-BF6D-67F81A5852B0}" destId="{22FD5D2E-E887-4B18-AC86-0BA45832146E}" srcOrd="0" destOrd="0" presId="urn:microsoft.com/office/officeart/2005/8/layout/process4"/>
     <dgm:cxn modelId="{9CB01173-C328-4CFA-8E97-54D02A598E7B}" type="presParOf" srcId="{22FD5D2E-E887-4B18-AC86-0BA45832146E}" destId="{1622FEFC-D97A-4D14-A5B5-FE36A4E506B7}" srcOrd="0" destOrd="0" presId="urn:microsoft.com/office/officeart/2005/8/layout/process4"/>
     <dgm:cxn modelId="{3D49D962-C6C7-4464-A838-A82EA23234DB}" type="presParOf" srcId="{22FD5D2E-E887-4B18-AC86-0BA45832146E}" destId="{00F99A46-48E1-452A-91B4-E4CCFA3943B3}" srcOrd="1" destOrd="0" presId="urn:microsoft.com/office/officeart/2005/8/layout/process4"/>
@@ -4552,8 +4555,8 @@
       </dsp:nvSpPr>
       <dsp:spPr>
         <a:xfrm>
-          <a:off x="0" y="2975"/>
-          <a:ext cx="8229600" cy="895778"/>
+          <a:off x="0" y="8754"/>
+          <a:ext cx="8229600" cy="870187"/>
         </a:xfrm>
         <a:prstGeom prst="roundRect">
           <a:avLst/>
@@ -4594,12 +4597,12 @@
         </a:fontRef>
       </dsp:style>
       <dsp:txBody>
-        <a:bodyPr spcFirstLastPara="0" vert="horz" wrap="square" lIns="91440" tIns="91440" rIns="91440" bIns="91440" numCol="1" spcCol="1270" anchor="ctr" anchorCtr="0">
+        <a:bodyPr spcFirstLastPara="0" vert="horz" wrap="square" lIns="53340" tIns="53340" rIns="53340" bIns="53340" numCol="1" spcCol="1270" anchor="ctr" anchorCtr="0">
           <a:noAutofit/>
         </a:bodyPr>
         <a:lstStyle/>
         <a:p>
-          <a:pPr lvl="0" algn="ctr" defTabSz="1066800">
+          <a:pPr lvl="0" algn="ctr" defTabSz="622300">
             <a:lnSpc>
               <a:spcPct val="90000"/>
             </a:lnSpc>
@@ -4611,19 +4614,19 @@
             </a:spcAft>
           </a:pPr>
           <a:r>
-            <a:rPr lang="ko-KR" altLang="en-US" sz="2400" kern="1200" dirty="0" err="1" smtClean="0">
+            <a:rPr lang="ko-KR" altLang="en-US" sz="1400" kern="1200" dirty="0" err="1" smtClean="0">
               <a:latin typeface="+mn-ea"/>
               <a:ea typeface="+mn-ea"/>
             </a:rPr>
             <a:t>프로토콜통신층</a:t>
           </a:r>
-          <a:endParaRPr lang="en-US" altLang="zh-CN" sz="2400" kern="1200" dirty="0" smtClean="0">
+          <a:endParaRPr lang="en-US" altLang="zh-CN" sz="1400" kern="1200" dirty="0" smtClean="0">
             <a:latin typeface="+mn-ea"/>
             <a:ea typeface="+mn-ea"/>
           </a:endParaRPr>
         </a:p>
         <a:p>
-          <a:pPr lvl="0" algn="ctr" defTabSz="1066800">
+          <a:pPr lvl="0" algn="ctr" defTabSz="622300">
             <a:lnSpc>
               <a:spcPct val="90000"/>
             </a:lnSpc>
@@ -4635,35 +4638,35 @@
             </a:spcAft>
           </a:pPr>
           <a:r>
-            <a:rPr lang="en-US" altLang="zh-CN" sz="1800" kern="1200" dirty="0" smtClean="0">
+            <a:rPr lang="en-US" altLang="zh-CN" sz="1200" kern="1200" dirty="0" smtClean="0">
               <a:latin typeface="+mn-ea"/>
               <a:ea typeface="+mn-ea"/>
             </a:rPr>
             <a:t>2</a:t>
           </a:r>
           <a:r>
-            <a:rPr lang="ko-KR" altLang="en-US" sz="1800" kern="1200" dirty="0" smtClean="0">
+            <a:rPr lang="ko-KR" altLang="en-US" sz="1200" kern="1200" dirty="0" smtClean="0">
               <a:latin typeface="+mn-ea"/>
               <a:ea typeface="+mn-ea"/>
             </a:rPr>
             <a:t>진수 아니면 </a:t>
           </a:r>
           <a:r>
-            <a:rPr lang="ko-KR" altLang="en-US" sz="1800" kern="1200" dirty="0" err="1" smtClean="0">
+            <a:rPr lang="ko-KR" altLang="en-US" sz="1200" kern="1200" dirty="0" err="1" smtClean="0">
               <a:latin typeface="+mn-ea"/>
               <a:ea typeface="+mn-ea"/>
             </a:rPr>
             <a:t>확장가능한사용자정의프로토콜</a:t>
           </a:r>
-          <a:endParaRPr lang="zh-CN" altLang="en-US" sz="1800" kern="1200" dirty="0">
+          <a:endParaRPr lang="zh-CN" altLang="en-US" sz="1200" kern="1200" dirty="0">
             <a:latin typeface="+mn-ea"/>
             <a:ea typeface="+mn-ea"/>
           </a:endParaRPr>
         </a:p>
       </dsp:txBody>
       <dsp:txXfrm>
-        <a:off x="43728" y="46703"/>
-        <a:ext cx="8142144" cy="808322"/>
+        <a:off x="42479" y="51233"/>
+        <a:ext cx="8144642" cy="785229"/>
       </dsp:txXfrm>
     </dsp:sp>
     <dsp:sp modelId="{632A9805-8354-4CC4-8E6B-280839874551}">
@@ -4673,8 +4676,8 @@
       </dsp:nvSpPr>
       <dsp:spPr>
         <a:xfrm>
-          <a:off x="0" y="2725941"/>
-          <a:ext cx="8229600" cy="895778"/>
+          <a:off x="0" y="2690276"/>
+          <a:ext cx="8229600" cy="870187"/>
         </a:xfrm>
         <a:prstGeom prst="roundRect">
           <a:avLst/>
@@ -4715,12 +4718,12 @@
         </a:fontRef>
       </dsp:style>
       <dsp:txBody>
-        <a:bodyPr spcFirstLastPara="0" vert="horz" wrap="square" lIns="91440" tIns="91440" rIns="91440" bIns="91440" numCol="1" spcCol="1270" anchor="ctr" anchorCtr="0">
+        <a:bodyPr spcFirstLastPara="0" vert="horz" wrap="square" lIns="53340" tIns="53340" rIns="53340" bIns="53340" numCol="1" spcCol="1270" anchor="ctr" anchorCtr="0">
           <a:noAutofit/>
         </a:bodyPr>
         <a:lstStyle/>
         <a:p>
-          <a:pPr lvl="0" algn="ctr" defTabSz="1066800">
+          <a:pPr lvl="0" algn="ctr" defTabSz="622300">
             <a:lnSpc>
               <a:spcPct val="90000"/>
             </a:lnSpc>
@@ -4732,26 +4735,26 @@
             </a:spcAft>
           </a:pPr>
           <a:r>
-            <a:rPr lang="ko-KR" altLang="en-US" sz="2400" kern="1200" dirty="0" smtClean="0">
+            <a:rPr lang="ko-KR" altLang="en-US" sz="1400" kern="1200" dirty="0" smtClean="0">
               <a:latin typeface="+mn-ea"/>
               <a:ea typeface="+mn-ea"/>
             </a:rPr>
             <a:t>데이터 </a:t>
           </a:r>
           <a:r>
-            <a:rPr lang="ko-KR" altLang="en-US" sz="2400" kern="1200" dirty="0" err="1" smtClean="0">
+            <a:rPr lang="ko-KR" altLang="en-US" sz="1400" kern="1200" dirty="0" err="1" smtClean="0">
               <a:latin typeface="+mn-ea"/>
               <a:ea typeface="+mn-ea"/>
             </a:rPr>
             <a:t>캐쉬층</a:t>
           </a:r>
-          <a:endParaRPr lang="en-US" altLang="zh-CN" sz="2400" kern="1200" dirty="0" smtClean="0">
+          <a:endParaRPr lang="en-US" altLang="zh-CN" sz="1400" kern="1200" dirty="0" smtClean="0">
             <a:latin typeface="+mn-ea"/>
             <a:ea typeface="+mn-ea"/>
           </a:endParaRPr>
         </a:p>
         <a:p>
-          <a:pPr lvl="0" algn="ctr" defTabSz="1066800">
+          <a:pPr lvl="0" algn="ctr" defTabSz="622300">
             <a:lnSpc>
               <a:spcPct val="90000"/>
             </a:lnSpc>
@@ -4763,35 +4766,35 @@
             </a:spcAft>
           </a:pPr>
           <a:r>
-            <a:rPr lang="ko-KR" altLang="en-US" sz="1800" kern="1200" dirty="0" err="1" smtClean="0">
+            <a:rPr lang="ko-KR" altLang="en-US" sz="1200" kern="1200" dirty="0" err="1" smtClean="0">
               <a:latin typeface="+mn-ea"/>
               <a:ea typeface="+mn-ea"/>
             </a:rPr>
             <a:t>엔티티모형설계</a:t>
           </a:r>
           <a:r>
-            <a:rPr lang="zh-CN" altLang="en-US" sz="1800" kern="1200" dirty="0" smtClean="0">
+            <a:rPr lang="zh-CN" altLang="en-US" sz="1200" kern="1200" dirty="0" smtClean="0">
               <a:latin typeface="+mn-ea"/>
               <a:ea typeface="+mn-ea"/>
             </a:rPr>
             <a:t>，</a:t>
           </a:r>
           <a:r>
-            <a:rPr lang="ko-KR" altLang="en-US" sz="1800" kern="1200" dirty="0" smtClean="0">
+            <a:rPr lang="ko-KR" altLang="en-US" sz="1200" kern="1200" dirty="0" smtClean="0">
               <a:latin typeface="+mn-ea"/>
               <a:ea typeface="+mn-ea"/>
             </a:rPr>
             <a:t>개발필요</a:t>
           </a:r>
-          <a:endParaRPr lang="zh-CN" altLang="en-US" sz="1800" kern="1200" dirty="0">
+          <a:endParaRPr lang="zh-CN" altLang="en-US" sz="1200" kern="1200" dirty="0">
             <a:latin typeface="+mn-ea"/>
             <a:ea typeface="+mn-ea"/>
           </a:endParaRPr>
         </a:p>
       </dsp:txBody>
       <dsp:txXfrm>
-        <a:off x="43728" y="2769669"/>
-        <a:ext cx="8142144" cy="808322"/>
+        <a:off x="42479" y="2732755"/>
+        <a:ext cx="8144642" cy="785229"/>
       </dsp:txXfrm>
     </dsp:sp>
     <dsp:sp modelId="{B976EC51-BC73-4B22-855B-B238D6191E09}">
@@ -4801,8 +4804,8 @@
       </dsp:nvSpPr>
       <dsp:spPr>
         <a:xfrm>
-          <a:off x="0" y="1804794"/>
-          <a:ext cx="8229600" cy="895778"/>
+          <a:off x="0" y="1784559"/>
+          <a:ext cx="8229600" cy="870187"/>
         </a:xfrm>
         <a:prstGeom prst="roundRect">
           <a:avLst/>
@@ -4843,12 +4846,12 @@
         </a:fontRef>
       </dsp:style>
       <dsp:txBody>
-        <a:bodyPr spcFirstLastPara="0" vert="horz" wrap="square" lIns="91440" tIns="91440" rIns="91440" bIns="91440" numCol="1" spcCol="1270" anchor="ctr" anchorCtr="0">
+        <a:bodyPr spcFirstLastPara="0" vert="horz" wrap="square" lIns="53340" tIns="53340" rIns="53340" bIns="53340" numCol="1" spcCol="1270" anchor="ctr" anchorCtr="0">
           <a:noAutofit/>
         </a:bodyPr>
         <a:lstStyle/>
         <a:p>
-          <a:pPr lvl="0" algn="ctr" defTabSz="1066800">
+          <a:pPr lvl="0" algn="ctr" defTabSz="622300">
             <a:lnSpc>
               <a:spcPct val="90000"/>
             </a:lnSpc>
@@ -4860,19 +4863,19 @@
             </a:spcAft>
           </a:pPr>
           <a:r>
-            <a:rPr lang="ko-KR" altLang="en-US" sz="2400" kern="1200" dirty="0" err="1" smtClean="0">
+            <a:rPr lang="ko-KR" altLang="en-US" sz="1400" kern="1200" dirty="0" err="1" smtClean="0">
               <a:latin typeface="+mn-ea"/>
               <a:ea typeface="+mn-ea"/>
             </a:rPr>
             <a:t>미들웨어층</a:t>
           </a:r>
-          <a:endParaRPr lang="en-US" altLang="zh-CN" sz="2400" kern="1200" dirty="0" smtClean="0">
+          <a:endParaRPr lang="en-US" altLang="zh-CN" sz="1400" kern="1200" dirty="0" smtClean="0">
             <a:latin typeface="+mn-ea"/>
             <a:ea typeface="+mn-ea"/>
           </a:endParaRPr>
         </a:p>
         <a:p>
-          <a:pPr lvl="0" algn="ctr" defTabSz="1066800">
+          <a:pPr lvl="0" algn="ctr" defTabSz="622300">
             <a:lnSpc>
               <a:spcPct val="90000"/>
             </a:lnSpc>
@@ -4884,126 +4887,126 @@
             </a:spcAft>
           </a:pPr>
           <a:r>
-            <a:rPr lang="ko-KR" altLang="en-US" sz="1800" kern="1200" dirty="0" smtClean="0">
+            <a:rPr lang="ko-KR" altLang="en-US" sz="1200" kern="1200" dirty="0" smtClean="0">
               <a:latin typeface="+mn-ea"/>
               <a:ea typeface="+mn-ea"/>
             </a:rPr>
             <a:t>공지</a:t>
           </a:r>
           <a:r>
-            <a:rPr lang="zh-CN" altLang="en-US" sz="1800" kern="1200" dirty="0" smtClean="0">
+            <a:rPr lang="zh-CN" altLang="en-US" sz="1200" kern="1200" dirty="0" smtClean="0">
               <a:latin typeface="+mn-ea"/>
               <a:ea typeface="+mn-ea"/>
             </a:rPr>
             <a:t>、</a:t>
           </a:r>
           <a:r>
-            <a:rPr lang="ko-KR" altLang="en-US" sz="1800" kern="1200" dirty="0" err="1" smtClean="0">
+            <a:rPr lang="ko-KR" altLang="en-US" sz="1200" kern="1200" dirty="0" err="1" smtClean="0">
               <a:latin typeface="+mn-ea"/>
               <a:ea typeface="+mn-ea"/>
             </a:rPr>
             <a:t>백팩</a:t>
           </a:r>
           <a:r>
-            <a:rPr lang="zh-CN" altLang="en-US" sz="1800" kern="1200" dirty="0" smtClean="0">
+            <a:rPr lang="zh-CN" altLang="en-US" sz="1200" kern="1200" dirty="0" smtClean="0">
               <a:latin typeface="+mn-ea"/>
               <a:ea typeface="+mn-ea"/>
             </a:rPr>
             <a:t>、</a:t>
           </a:r>
           <a:r>
-            <a:rPr lang="ko-KR" altLang="en-US" sz="1800" kern="1200" dirty="0" smtClean="0">
+            <a:rPr lang="ko-KR" altLang="en-US" sz="1200" kern="1200" dirty="0" smtClean="0">
               <a:latin typeface="+mn-ea"/>
               <a:ea typeface="+mn-ea"/>
             </a:rPr>
             <a:t>로그인</a:t>
           </a:r>
           <a:r>
-            <a:rPr lang="zh-CN" altLang="en-US" sz="1800" kern="1200" dirty="0" smtClean="0">
+            <a:rPr lang="zh-CN" altLang="en-US" sz="1200" kern="1200" dirty="0" smtClean="0">
               <a:latin typeface="+mn-ea"/>
               <a:ea typeface="+mn-ea"/>
             </a:rPr>
             <a:t>、</a:t>
           </a:r>
           <a:r>
-            <a:rPr lang="ko-KR" altLang="en-US" sz="1800" kern="1200" dirty="0" smtClean="0">
+            <a:rPr lang="ko-KR" altLang="en-US" sz="1200" kern="1200" dirty="0" smtClean="0">
               <a:latin typeface="+mn-ea"/>
               <a:ea typeface="+mn-ea"/>
             </a:rPr>
             <a:t>회원가입</a:t>
           </a:r>
           <a:r>
-            <a:rPr lang="zh-CN" altLang="en-US" sz="1800" kern="1200" dirty="0" smtClean="0">
+            <a:rPr lang="zh-CN" altLang="en-US" sz="1200" kern="1200" dirty="0" smtClean="0">
               <a:latin typeface="+mn-ea"/>
               <a:ea typeface="+mn-ea"/>
             </a:rPr>
             <a:t>、</a:t>
           </a:r>
           <a:r>
-            <a:rPr lang="ko-KR" altLang="en-US" sz="1800" kern="1200" dirty="0" smtClean="0">
+            <a:rPr lang="ko-KR" altLang="en-US" sz="1200" kern="1200" dirty="0" smtClean="0">
               <a:latin typeface="+mn-ea"/>
               <a:ea typeface="+mn-ea"/>
             </a:rPr>
             <a:t>채널충전</a:t>
           </a:r>
           <a:r>
-            <a:rPr lang="en-US" altLang="ko-KR" sz="1800" kern="1200" dirty="0" smtClean="0">
+            <a:rPr lang="en-US" altLang="ko-KR" sz="1200" kern="1200" dirty="0" smtClean="0">
               <a:latin typeface="+mn-ea"/>
               <a:ea typeface="+mn-ea"/>
             </a:rPr>
             <a:t>?</a:t>
           </a:r>
           <a:r>
-            <a:rPr lang="zh-CN" altLang="en-US" sz="1800" kern="1200" dirty="0" smtClean="0">
+            <a:rPr lang="zh-CN" altLang="en-US" sz="1200" kern="1200" dirty="0" smtClean="0">
               <a:latin typeface="+mn-ea"/>
               <a:ea typeface="+mn-ea"/>
             </a:rPr>
             <a:t> 、</a:t>
           </a:r>
           <a:r>
-            <a:rPr lang="ko-KR" altLang="en-US" sz="1800" kern="1200" dirty="0" smtClean="0">
+            <a:rPr lang="ko-KR" altLang="en-US" sz="1200" kern="1200" dirty="0" smtClean="0">
               <a:latin typeface="+mn-ea"/>
               <a:ea typeface="+mn-ea"/>
             </a:rPr>
             <a:t>채팅</a:t>
           </a:r>
           <a:r>
-            <a:rPr lang="zh-CN" altLang="en-US" sz="1800" kern="1200" dirty="0" smtClean="0">
+            <a:rPr lang="zh-CN" altLang="en-US" sz="1200" kern="1200" dirty="0" smtClean="0">
               <a:latin typeface="+mn-ea"/>
               <a:ea typeface="+mn-ea"/>
             </a:rPr>
             <a:t>、</a:t>
           </a:r>
           <a:r>
-            <a:rPr lang="ko-KR" altLang="en-US" sz="1800" kern="1200" dirty="0" err="1" smtClean="0">
+            <a:rPr lang="ko-KR" altLang="en-US" sz="1200" kern="1200" dirty="0" err="1" smtClean="0">
               <a:latin typeface="+mn-ea"/>
               <a:ea typeface="+mn-ea"/>
             </a:rPr>
             <a:t>묻고답하기</a:t>
           </a:r>
           <a:r>
-            <a:rPr lang="zh-CN" altLang="en-US" sz="1800" kern="1200" dirty="0" smtClean="0">
+            <a:rPr lang="zh-CN" altLang="en-US" sz="1200" kern="1200" dirty="0" smtClean="0">
               <a:latin typeface="+mn-ea"/>
               <a:ea typeface="+mn-ea"/>
             </a:rPr>
             <a:t>，</a:t>
           </a:r>
           <a:r>
-            <a:rPr lang="ko-KR" altLang="en-US" sz="1800" kern="1200" dirty="0" err="1" smtClean="0">
+            <a:rPr lang="ko-KR" altLang="en-US" sz="1200" kern="1200" dirty="0" err="1" smtClean="0">
               <a:latin typeface="+mn-ea"/>
               <a:ea typeface="+mn-ea"/>
             </a:rPr>
             <a:t>랭킹등</a:t>
           </a:r>
-          <a:endParaRPr lang="zh-CN" altLang="en-US" sz="2400" kern="1200" dirty="0">
+          <a:endParaRPr lang="zh-CN" altLang="en-US" sz="1200" kern="1200" dirty="0">
             <a:latin typeface="+mn-ea"/>
             <a:ea typeface="+mn-ea"/>
           </a:endParaRPr>
         </a:p>
       </dsp:txBody>
       <dsp:txXfrm>
-        <a:off x="43728" y="1848522"/>
-        <a:ext cx="8142144" cy="808322"/>
+        <a:off x="42479" y="1827038"/>
+        <a:ext cx="8144642" cy="785229"/>
       </dsp:txXfrm>
     </dsp:sp>
     <dsp:sp modelId="{7F584899-03FA-4C01-B010-F4498AB68305}">
@@ -5013,8 +5016,8 @@
       </dsp:nvSpPr>
       <dsp:spPr>
         <a:xfrm>
-          <a:off x="0" y="945733"/>
-          <a:ext cx="8229600" cy="895778"/>
+          <a:off x="0" y="950041"/>
+          <a:ext cx="8229600" cy="870187"/>
         </a:xfrm>
         <a:prstGeom prst="roundRect">
           <a:avLst/>
@@ -5055,12 +5058,12 @@
         </a:fontRef>
       </dsp:style>
       <dsp:txBody>
-        <a:bodyPr spcFirstLastPara="0" vert="horz" wrap="square" lIns="91440" tIns="91440" rIns="91440" bIns="91440" numCol="1" spcCol="1270" anchor="ctr" anchorCtr="0">
+        <a:bodyPr spcFirstLastPara="0" vert="horz" wrap="square" lIns="53340" tIns="53340" rIns="53340" bIns="53340" numCol="1" spcCol="1270" anchor="ctr" anchorCtr="0">
           <a:noAutofit/>
         </a:bodyPr>
         <a:lstStyle/>
         <a:p>
-          <a:pPr lvl="0" algn="ctr" defTabSz="1066800">
+          <a:pPr lvl="0" algn="ctr" defTabSz="622300">
             <a:lnSpc>
               <a:spcPct val="90000"/>
             </a:lnSpc>
@@ -5072,19 +5075,19 @@
             </a:spcAft>
           </a:pPr>
           <a:r>
-            <a:rPr lang="ko-KR" altLang="en-US" sz="2400" kern="1200" dirty="0" err="1" smtClean="0">
+            <a:rPr lang="ko-KR" altLang="en-US" sz="1400" kern="1200" dirty="0" err="1" smtClean="0">
               <a:latin typeface="+mn-ea"/>
               <a:ea typeface="+mn-ea"/>
             </a:rPr>
             <a:t>워킹로직층</a:t>
           </a:r>
-          <a:endParaRPr lang="en-US" altLang="zh-CN" sz="2400" kern="1200" dirty="0" smtClean="0">
+          <a:endParaRPr lang="en-US" altLang="zh-CN" sz="1400" kern="1200" dirty="0" smtClean="0">
             <a:latin typeface="+mn-ea"/>
             <a:ea typeface="+mn-ea"/>
           </a:endParaRPr>
         </a:p>
         <a:p>
-          <a:pPr lvl="0" algn="ctr" defTabSz="1066800">
+          <a:pPr lvl="0" algn="ctr" defTabSz="622300">
             <a:lnSpc>
               <a:spcPct val="90000"/>
             </a:lnSpc>
@@ -5096,35 +5099,46 @@
             </a:spcAft>
           </a:pPr>
           <a:r>
-            <a:rPr lang="en-US" altLang="zh-CN" sz="1800" kern="1200" dirty="0" smtClean="0">
+            <a:rPr lang="en-US" altLang="zh-CN" sz="1200" kern="1200" dirty="0" smtClean="0">
               <a:latin typeface="+mn-ea"/>
               <a:ea typeface="+mn-ea"/>
             </a:rPr>
-            <a:t>C#/Python/</a:t>
+            <a:t>C#/</a:t>
           </a:r>
           <a:r>
-            <a:rPr lang="en-US" altLang="zh-CN" sz="1800" kern="1200" dirty="0" err="1" smtClean="0">
+            <a:rPr lang="en-US" altLang="zh-CN" sz="1200" kern="1200" dirty="0" smtClean="0">
               <a:latin typeface="+mn-ea"/>
               <a:ea typeface="+mn-ea"/>
             </a:rPr>
-            <a:t>Lua</a:t>
+            <a:t>Python/</a:t>
           </a:r>
           <a:r>
-            <a:rPr lang="zh-CN" altLang="en-US" sz="1800" kern="1200" dirty="0" smtClean="0">
+            <a:rPr lang="en-US" altLang="zh-CN" sz="1200" kern="1200" dirty="0" err="1" smtClean="0">
               <a:latin typeface="+mn-ea"/>
               <a:ea typeface="+mn-ea"/>
             </a:rPr>
-            <a:t>脚本，需要开发</a:t>
+            <a:t>LuaScript</a:t>
           </a:r>
-          <a:endParaRPr lang="zh-CN" altLang="en-US" sz="1800" kern="1200" dirty="0">
+          <a:r>
+            <a:rPr lang="zh-CN" altLang="en-US" sz="1200" kern="1200" dirty="0" smtClean="0">
+              <a:latin typeface="+mn-ea"/>
+              <a:ea typeface="+mn-ea"/>
+            </a:rPr>
+            <a:t>，</a:t>
+          </a:r>
+          <a:r>
+            <a:rPr lang="en-US" sz="1200" kern="1200" dirty="0" smtClean="0"/>
+            <a:t>Need to develop.</a:t>
+          </a:r>
+          <a:endParaRPr lang="zh-CN" altLang="en-US" sz="1200" kern="1200" dirty="0">
             <a:latin typeface="+mn-ea"/>
             <a:ea typeface="+mn-ea"/>
           </a:endParaRPr>
         </a:p>
       </dsp:txBody>
       <dsp:txXfrm>
-        <a:off x="43728" y="989461"/>
-        <a:ext cx="8142144" cy="808322"/>
+        <a:off x="42479" y="992520"/>
+        <a:ext cx="8144642" cy="785229"/>
       </dsp:txXfrm>
     </dsp:sp>
     <dsp:sp modelId="{D55B0265-E1AF-49A5-AD80-7EE9B5AC79AC}">
@@ -5134,8 +5148,8 @@
       </dsp:nvSpPr>
       <dsp:spPr>
         <a:xfrm>
-          <a:off x="0" y="3630183"/>
-          <a:ext cx="8229600" cy="895778"/>
+          <a:off x="0" y="3597954"/>
+          <a:ext cx="8229600" cy="870187"/>
         </a:xfrm>
         <a:prstGeom prst="roundRect">
           <a:avLst/>
@@ -5176,12 +5190,12 @@
         </a:fontRef>
       </dsp:style>
       <dsp:txBody>
-        <a:bodyPr spcFirstLastPara="0" vert="horz" wrap="square" lIns="91440" tIns="91440" rIns="91440" bIns="91440" numCol="1" spcCol="1270" anchor="ctr" anchorCtr="0">
+        <a:bodyPr spcFirstLastPara="0" vert="horz" wrap="square" lIns="53340" tIns="53340" rIns="53340" bIns="53340" numCol="1" spcCol="1270" anchor="ctr" anchorCtr="0">
           <a:noAutofit/>
         </a:bodyPr>
         <a:lstStyle/>
         <a:p>
-          <a:pPr lvl="0" algn="ctr" defTabSz="1066800">
+          <a:pPr lvl="0" algn="ctr" defTabSz="622300">
             <a:lnSpc>
               <a:spcPct val="90000"/>
             </a:lnSpc>
@@ -5193,19 +5207,19 @@
             </a:spcAft>
           </a:pPr>
           <a:r>
-            <a:rPr lang="ko-KR" altLang="en-US" sz="2400" kern="1200" dirty="0" err="1" smtClean="0">
+            <a:rPr lang="ko-KR" altLang="en-US" sz="1400" kern="1200" dirty="0" err="1" smtClean="0">
               <a:latin typeface="+mn-ea"/>
               <a:ea typeface="+mn-ea"/>
             </a:rPr>
             <a:t>데이터베이스층</a:t>
           </a:r>
-          <a:endParaRPr lang="en-US" altLang="zh-CN" sz="2400" kern="1200" dirty="0" smtClean="0">
+          <a:endParaRPr lang="en-US" altLang="zh-CN" sz="1400" kern="1200" dirty="0" smtClean="0">
             <a:latin typeface="+mn-ea"/>
             <a:ea typeface="+mn-ea"/>
           </a:endParaRPr>
         </a:p>
         <a:p>
-          <a:pPr lvl="0" algn="ctr" defTabSz="1066800">
+          <a:pPr lvl="0" algn="ctr" defTabSz="622300">
             <a:lnSpc>
               <a:spcPct val="90000"/>
             </a:lnSpc>
@@ -5217,63 +5231,55 @@
             </a:spcAft>
           </a:pPr>
           <a:r>
-            <a:rPr lang="zh-CN" altLang="en-US" sz="1800" kern="1200" dirty="0" smtClean="0">
+            <a:rPr lang="en-US" sz="1200" kern="1200" dirty="0" smtClean="0"/>
+            <a:t>1. Database more support.</a:t>
+          </a:r>
+          <a:r>
+            <a:rPr lang="zh-CN" altLang="en-US" sz="1200" kern="1200" dirty="0" smtClean="0">
               <a:latin typeface="+mn-ea"/>
               <a:ea typeface="+mn-ea"/>
             </a:rPr>
-            <a:t>多数据库支持，框架自动创表和维护</a:t>
+            <a:t>，</a:t>
           </a:r>
           <a:r>
-            <a:rPr lang="en-US" altLang="zh-CN" sz="1800" kern="1200" dirty="0" smtClean="0">
+            <a:rPr lang="en-US" altLang="zh-CN" sz="1200" kern="1200" dirty="0" smtClean="0">
               <a:latin typeface="+mn-ea"/>
               <a:ea typeface="+mn-ea"/>
             </a:rPr>
-            <a:t>(</a:t>
+            <a:t>2. </a:t>
           </a:r>
           <a:r>
-            <a:rPr lang="zh-CN" altLang="en-US" sz="1800" kern="1200" dirty="0" smtClean="0">
+            <a:rPr lang="en-US" sz="1200" kern="1200" dirty="0" smtClean="0"/>
+            <a:t>Frame automatically create lists and maintenance (increased volume to) the data.</a:t>
+          </a:r>
+          <a:r>
+            <a:rPr lang="zh-CN" altLang="en-US" sz="1200" kern="1200" dirty="0" smtClean="0">
               <a:latin typeface="+mn-ea"/>
               <a:ea typeface="+mn-ea"/>
             </a:rPr>
-            <a:t>增册改</a:t>
+            <a:t>，</a:t>
           </a:r>
           <a:r>
-            <a:rPr lang="en-US" altLang="zh-CN" sz="1800" kern="1200" dirty="0" smtClean="0">
-              <a:latin typeface="+mn-ea"/>
-              <a:ea typeface="+mn-ea"/>
-            </a:rPr>
-            <a:t>)</a:t>
+            <a:rPr lang="en-US" sz="1200" kern="1200" dirty="0" smtClean="0"/>
+            <a:t>There's no need to written statement detailing </a:t>
           </a:r>
           <a:r>
-            <a:rPr lang="zh-CN" altLang="en-US" sz="1800" kern="1200" dirty="0" smtClean="0">
-              <a:latin typeface="+mn-ea"/>
-              <a:ea typeface="+mn-ea"/>
-            </a:rPr>
-            <a:t>数据，无需写拼接</a:t>
-          </a:r>
-          <a:r>
-            <a:rPr lang="en-US" altLang="zh-CN" sz="1800" kern="1200" dirty="0" err="1" smtClean="0">
-              <a:latin typeface="+mn-ea"/>
-              <a:ea typeface="+mn-ea"/>
-            </a:rPr>
+            <a:rPr lang="en-US" sz="1200" kern="1200" dirty="0" err="1" smtClean="0"/>
             <a:t>Sql</a:t>
           </a:r>
           <a:r>
-            <a:rPr lang="zh-CN" altLang="en-US" sz="1800" kern="1200" dirty="0" smtClean="0">
-              <a:latin typeface="+mn-ea"/>
-              <a:ea typeface="+mn-ea"/>
-            </a:rPr>
-            <a:t>语句</a:t>
+            <a:rPr lang="en-US" sz="1200" kern="1200" dirty="0" smtClean="0"/>
+            <a:t>.</a:t>
           </a:r>
-          <a:endParaRPr lang="en-US" altLang="zh-CN" sz="1800" kern="1200" dirty="0" smtClean="0">
+          <a:endParaRPr lang="en-US" altLang="zh-CN" sz="1200" kern="1200" dirty="0" smtClean="0">
             <a:latin typeface="+mn-ea"/>
             <a:ea typeface="+mn-ea"/>
           </a:endParaRPr>
         </a:p>
       </dsp:txBody>
       <dsp:txXfrm>
-        <a:off x="43728" y="3673911"/>
-        <a:ext cx="8142144" cy="808322"/>
+        <a:off x="42479" y="3640433"/>
+        <a:ext cx="8144642" cy="785229"/>
       </dsp:txXfrm>
     </dsp:sp>
   </dsp:spTree>
@@ -12252,7 +12258,7 @@
             <a:fld id="{530820CF-B880-4189-942D-D702A7CBA730}" type="datetimeFigureOut">
               <a:rPr lang="zh-CN" altLang="en-US" smtClean="0"/>
               <a:pPr/>
-              <a:t>2015/3/16</a:t>
+              <a:t>2016/8/23</a:t>
             </a:fld>
             <a:endParaRPr lang="zh-CN" altLang="en-US"/>
           </a:p>
@@ -12450,7 +12456,7 @@
             <a:fld id="{530820CF-B880-4189-942D-D702A7CBA730}" type="datetimeFigureOut">
               <a:rPr lang="zh-CN" altLang="en-US" smtClean="0"/>
               <a:pPr/>
-              <a:t>2015/3/16</a:t>
+              <a:t>2016/8/23</a:t>
             </a:fld>
             <a:endParaRPr lang="zh-CN" altLang="en-US"/>
           </a:p>
@@ -12637,7 +12643,7 @@
             <a:fld id="{530820CF-B880-4189-942D-D702A7CBA730}" type="datetimeFigureOut">
               <a:rPr lang="zh-CN" altLang="en-US" smtClean="0"/>
               <a:pPr/>
-              <a:t>2015/3/16</a:t>
+              <a:t>2016/8/23</a:t>
             </a:fld>
             <a:endParaRPr lang="zh-CN" altLang="en-US"/>
           </a:p>
@@ -12789,7 +12795,7 @@
             <a:fld id="{530820CF-B880-4189-942D-D702A7CBA730}" type="datetimeFigureOut">
               <a:rPr lang="zh-CN" altLang="en-US" smtClean="0"/>
               <a:pPr/>
-              <a:t>2015/3/16</a:t>
+              <a:t>2016/8/23</a:t>
             </a:fld>
             <a:endParaRPr lang="zh-CN" altLang="en-US"/>
           </a:p>
@@ -13046,7 +13052,7 @@
             <a:fld id="{530820CF-B880-4189-942D-D702A7CBA730}" type="datetimeFigureOut">
               <a:rPr lang="zh-CN" altLang="en-US" smtClean="0"/>
               <a:pPr/>
-              <a:t>2015/3/16</a:t>
+              <a:t>2016/8/23</a:t>
             </a:fld>
             <a:endParaRPr lang="zh-CN" altLang="en-US"/>
           </a:p>
@@ -13457,7 +13463,7 @@
             <a:fld id="{530820CF-B880-4189-942D-D702A7CBA730}" type="datetimeFigureOut">
               <a:rPr lang="zh-CN" altLang="en-US" smtClean="0"/>
               <a:pPr/>
-              <a:t>2015/3/16</a:t>
+              <a:t>2016/8/23</a:t>
             </a:fld>
             <a:endParaRPr lang="zh-CN" altLang="en-US"/>
           </a:p>
@@ -13905,7 +13911,7 @@
             <a:fld id="{530820CF-B880-4189-942D-D702A7CBA730}" type="datetimeFigureOut">
               <a:rPr lang="zh-CN" altLang="en-US" smtClean="0"/>
               <a:pPr/>
-              <a:t>2015/3/16</a:t>
+              <a:t>2016/8/23</a:t>
             </a:fld>
             <a:endParaRPr lang="zh-CN" altLang="en-US"/>
           </a:p>
@@ -14008,7 +14014,7 @@
             <a:fld id="{530820CF-B880-4189-942D-D702A7CBA730}" type="datetimeFigureOut">
               <a:rPr lang="zh-CN" altLang="en-US" smtClean="0"/>
               <a:pPr/>
-              <a:t>2015/3/16</a:t>
+              <a:t>2016/8/23</a:t>
             </a:fld>
             <a:endParaRPr lang="zh-CN" altLang="en-US"/>
           </a:p>
@@ -14131,7 +14137,7 @@
             <a:fld id="{530820CF-B880-4189-942D-D702A7CBA730}" type="datetimeFigureOut">
               <a:rPr lang="zh-CN" altLang="en-US" smtClean="0"/>
               <a:pPr/>
-              <a:t>2015/3/16</a:t>
+              <a:t>2016/8/23</a:t>
             </a:fld>
             <a:endParaRPr lang="zh-CN" altLang="en-US"/>
           </a:p>
@@ -14407,7 +14413,7 @@
             <a:fld id="{530820CF-B880-4189-942D-D702A7CBA730}" type="datetimeFigureOut">
               <a:rPr lang="zh-CN" altLang="en-US" smtClean="0"/>
               <a:pPr/>
-              <a:t>2015/3/16</a:t>
+              <a:t>2016/8/23</a:t>
             </a:fld>
             <a:endParaRPr lang="zh-CN" altLang="en-US"/>
           </a:p>
@@ -14614,7 +14620,7 @@
             <a:fld id="{530820CF-B880-4189-942D-D702A7CBA730}" type="datetimeFigureOut">
               <a:rPr lang="zh-CN" altLang="en-US" smtClean="0"/>
               <a:pPr/>
-              <a:t>2015/3/16</a:t>
+              <a:t>2016/8/23</a:t>
             </a:fld>
             <a:endParaRPr lang="zh-CN" altLang="en-US"/>
           </a:p>
@@ -15725,7 +15731,7 @@
             <a:fld id="{530820CF-B880-4189-942D-D702A7CBA730}" type="datetimeFigureOut">
               <a:rPr lang="zh-CN" altLang="en-US" smtClean="0"/>
               <a:pPr/>
-              <a:t>2015/3/16</a:t>
+              <a:t>2016/8/23</a:t>
             </a:fld>
             <a:endParaRPr lang="zh-CN" altLang="en-US"/>
           </a:p>
@@ -17532,12 +17538,12 @@
           <a:lstStyle/>
           <a:p>
             <a:r>
-              <a:rPr lang="ko-KR" altLang="en-US" sz="3200" dirty="0" err="1" smtClean="0"/>
-              <a:t>자주지적소유권을가진</a:t>
+              <a:rPr lang="en-US" altLang="ko-KR" sz="3200" dirty="0" smtClean="0"/>
+              <a:t>Freeware </a:t>
             </a:r>
             <a:r>
               <a:rPr lang="ko-KR" altLang="en-US" sz="3200" dirty="0" smtClean="0"/>
-              <a:t> 게임서버엔진이다</a:t>
+              <a:t>게임서버엔진이다</a:t>
             </a:r>
             <a:r>
               <a:rPr lang="en-US" altLang="ko-KR" sz="3200" dirty="0" smtClean="0"/>
@@ -17611,7 +17617,6 @@
               <a:rPr lang="en-US" altLang="zh-CN" sz="2800" dirty="0" smtClean="0"/>
               <a:t>/Socket</a:t>
             </a:r>
-            <a:endParaRPr lang="en-US" altLang="zh-CN" sz="2800" dirty="0" smtClean="0"/>
           </a:p>
           <a:p>
             <a:pPr lvl="1"/>
@@ -17629,15 +17634,7 @@
             </a:r>
             <a:r>
               <a:rPr lang="en-US" altLang="zh-CN" sz="2800" dirty="0" smtClean="0"/>
-              <a:t>C</a:t>
-            </a:r>
-            <a:r>
-              <a:rPr lang="en-US" altLang="zh-CN" sz="2800" dirty="0" smtClean="0"/>
-              <a:t>#/</a:t>
-            </a:r>
-            <a:r>
-              <a:rPr lang="en-US" altLang="zh-CN" sz="2800" dirty="0" smtClean="0"/>
-              <a:t>Python/</a:t>
+              <a:t>C#/Python/</a:t>
             </a:r>
             <a:r>
               <a:rPr lang="en-US" altLang="zh-CN" sz="2800" dirty="0" err="1" smtClean="0"/>
@@ -17671,7 +17668,6 @@
               <a:rPr lang="en-US" altLang="zh-CN" sz="2800" dirty="0" smtClean="0"/>
               <a:t>Windows/Linux</a:t>
             </a:r>
-            <a:endParaRPr lang="en-US" altLang="zh-CN" sz="2800" dirty="0" smtClean="0"/>
           </a:p>
           <a:p>
             <a:pPr lvl="1"/>
@@ -17798,14 +17794,14 @@
             <p:ph idx="1"/>
             <p:extLst>
               <p:ext uri="{D42A27DB-BD31-4B8C-83A1-F6EECF244321}">
-                <p14:modId xmlns:p14="http://schemas.microsoft.com/office/powerpoint/2010/main" val="2416237068"/>
+                <p14:modId xmlns:p14="http://schemas.microsoft.com/office/powerpoint/2010/main" val="2059851546"/>
               </p:ext>
             </p:extLst>
           </p:nvPr>
         </p:nvGraphicFramePr>
         <p:xfrm>
-          <a:off x="457200" y="1481138"/>
-          <a:ext cx="8229600" cy="4525962"/>
+          <a:off x="457200" y="1556792"/>
+          <a:ext cx="8229600" cy="4468142"/>
         </p:xfrm>
         <a:graphic>
           <a:graphicData uri="http://schemas.openxmlformats.org/drawingml/2006/diagram">
@@ -17876,7 +17872,7 @@
           <a:lstStyle/>
           <a:p>
             <a:pPr algn="ctr"/>
-            <a:endParaRPr lang="zh-CN" altLang="en-US"/>
+            <a:endParaRPr lang="zh-CN" altLang="en-US" sz="1400"/>
           </a:p>
         </p:txBody>
       </p:sp>
@@ -17916,7 +17912,7 @@
           <a:lstStyle/>
           <a:p>
             <a:pPr algn="ctr"/>
-            <a:endParaRPr lang="zh-CN" altLang="en-US"/>
+            <a:endParaRPr lang="zh-CN" altLang="en-US" sz="1400"/>
           </a:p>
         </p:txBody>
       </p:sp>
@@ -17956,7 +17952,7 @@
           <a:lstStyle/>
           <a:p>
             <a:pPr algn="ctr"/>
-            <a:endParaRPr lang="zh-CN" altLang="en-US"/>
+            <a:endParaRPr lang="zh-CN" altLang="en-US" sz="1400"/>
           </a:p>
         </p:txBody>
       </p:sp>
@@ -17996,7 +17992,7 @@
           <a:lstStyle/>
           <a:p>
             <a:pPr algn="ctr"/>
-            <a:endParaRPr lang="zh-CN" altLang="en-US"/>
+            <a:endParaRPr lang="zh-CN" altLang="en-US" sz="1400"/>
           </a:p>
         </p:txBody>
       </p:sp>
@@ -18463,15 +18459,7 @@
             </a:pPr>
             <a:r>
               <a:rPr lang="en-US" altLang="zh-CN" sz="2000" dirty="0" smtClean="0"/>
-              <a:t>C</a:t>
-            </a:r>
-            <a:r>
-              <a:rPr lang="en-US" altLang="zh-CN" sz="2000" dirty="0" smtClean="0"/>
-              <a:t>#/</a:t>
-            </a:r>
-            <a:r>
-              <a:rPr lang="en-US" altLang="zh-CN" sz="2000" dirty="0" smtClean="0"/>
-              <a:t>Python/</a:t>
+              <a:t>C#/Python/</a:t>
             </a:r>
             <a:r>
               <a:rPr lang="en-US" altLang="zh-CN" sz="2000" dirty="0" err="1" smtClean="0"/>
@@ -18707,11 +18695,7 @@
             </a:r>
             <a:r>
               <a:rPr lang="ko-KR" altLang="en-US" sz="2000" dirty="0" err="1" smtClean="0"/>
-              <a:t>엔티티모형설계에</a:t>
-            </a:r>
-            <a:r>
-              <a:rPr lang="ko-KR" altLang="en-US" sz="2000" dirty="0" err="1" smtClean="0"/>
-              <a:t>집중</a:t>
+              <a:t>엔티티모형설계에집중</a:t>
             </a:r>
             <a:endParaRPr lang="en-US" altLang="zh-CN" sz="2000" dirty="0" smtClean="0"/>
           </a:p>
@@ -18772,11 +18756,7 @@
             </a:pPr>
             <a:r>
               <a:rPr lang="ko-KR" altLang="en-US" sz="2800" dirty="0" err="1" smtClean="0"/>
-              <a:t>캐쉬데이터베이스</a:t>
-            </a:r>
-            <a:r>
-              <a:rPr lang="ko-KR" altLang="en-US" sz="2800" dirty="0" err="1" smtClean="0"/>
-              <a:t>자동유지</a:t>
+              <a:t>캐쉬데이터베이스자동유지</a:t>
             </a:r>
             <a:endParaRPr lang="en-US" altLang="zh-CN" sz="2800" dirty="0" smtClean="0"/>
           </a:p>
@@ -19073,11 +19053,7 @@
             </a:r>
             <a:r>
               <a:rPr lang="ko-KR" altLang="en-US" sz="2000" dirty="0" err="1" smtClean="0"/>
-              <a:t>문생성해서</a:t>
-            </a:r>
-            <a:r>
-              <a:rPr lang="ko-KR" altLang="en-US" sz="2000" dirty="0" err="1" smtClean="0"/>
-              <a:t>표구조를</a:t>
+              <a:t>문생성해서표구조를</a:t>
             </a:r>
             <a:r>
               <a:rPr lang="ko-KR" altLang="en-US" sz="2000" dirty="0" smtClean="0"/>
@@ -19107,11 +19083,7 @@
             </a:r>
             <a:r>
               <a:rPr lang="ko-KR" altLang="en-US" sz="2000" dirty="0" smtClean="0"/>
-              <a:t> </a:t>
-            </a:r>
-            <a:r>
-              <a:rPr lang="ko-KR" altLang="en-US" sz="2000" dirty="0" smtClean="0"/>
-              <a:t>쾌속변환 </a:t>
+              <a:t> 쾌속변환 </a:t>
             </a:r>
             <a:r>
               <a:rPr lang="en-US" altLang="ko-KR" sz="2000" dirty="0" smtClean="0"/>
@@ -19245,11 +19217,7 @@
             </a:r>
             <a:r>
               <a:rPr lang="ko-KR" altLang="en-US" sz="2000" dirty="0" err="1" smtClean="0"/>
-              <a:t>클라우드플랫폼</a:t>
-            </a:r>
-            <a:r>
-              <a:rPr lang="ko-KR" altLang="en-US" sz="2000" dirty="0" err="1" smtClean="0"/>
-              <a:t>쾌속디플로이</a:t>
+              <a:t>클라우드플랫폼쾌속디플로이</a:t>
             </a:r>
             <a:endParaRPr lang="en-US" altLang="zh-CN" sz="2000" dirty="0" smtClean="0"/>
           </a:p>
@@ -19498,15 +19466,7 @@
                   <a:prstClr val="black"/>
                 </a:solidFill>
               </a:rPr>
-              <a:t>(</a:t>
-            </a:r>
-            <a:r>
-              <a:rPr lang="en-US" altLang="zh-CN" sz="2000" dirty="0" smtClean="0">
-                <a:solidFill>
-                  <a:prstClr val="black"/>
-                </a:solidFill>
-              </a:rPr>
-              <a:t>24H)</a:t>
+              <a:t>(24H)</a:t>
             </a:r>
             <a:r>
               <a:rPr lang="zh-CN" altLang="en-US" sz="2000" dirty="0" smtClean="0">
